--- a/ИУ7-52Б-Пермякова-Екатерина-Презентация-КГ.pptx
+++ b/ИУ7-52Б-Пермякова-Екатерина-Презентация-КГ.pptx
@@ -5,23 +5,24 @@
     <p:sldMasterId id="2147483648" r:id="rId1"/>
   </p:sldMasterIdLst>
   <p:notesMasterIdLst>
-    <p:notesMasterId r:id="rId16"/>
+    <p:notesMasterId r:id="rId17"/>
   </p:notesMasterIdLst>
   <p:sldIdLst>
     <p:sldId id="256" r:id="rId2"/>
     <p:sldId id="257" r:id="rId3"/>
     <p:sldId id="258" r:id="rId4"/>
     <p:sldId id="260" r:id="rId5"/>
-    <p:sldId id="261" r:id="rId6"/>
-    <p:sldId id="263" r:id="rId7"/>
-    <p:sldId id="264" r:id="rId8"/>
-    <p:sldId id="265" r:id="rId9"/>
-    <p:sldId id="266" r:id="rId10"/>
-    <p:sldId id="267" r:id="rId11"/>
-    <p:sldId id="268" r:id="rId12"/>
-    <p:sldId id="269" r:id="rId13"/>
-    <p:sldId id="271" r:id="rId14"/>
-    <p:sldId id="272" r:id="rId15"/>
+    <p:sldId id="273" r:id="rId6"/>
+    <p:sldId id="261" r:id="rId7"/>
+    <p:sldId id="263" r:id="rId8"/>
+    <p:sldId id="264" r:id="rId9"/>
+    <p:sldId id="265" r:id="rId10"/>
+    <p:sldId id="266" r:id="rId11"/>
+    <p:sldId id="267" r:id="rId12"/>
+    <p:sldId id="268" r:id="rId13"/>
+    <p:sldId id="269" r:id="rId14"/>
+    <p:sldId id="271" r:id="rId15"/>
+    <p:sldId id="272" r:id="rId16"/>
   </p:sldIdLst>
   <p:sldSz cx="12192000" cy="6858000"/>
   <p:notesSz cx="6858000" cy="9144000"/>
@@ -120,6 +121,11 @@
       </a:defRPr>
     </a:lvl9pPr>
   </p:defaultTextStyle>
+  <p:extLst>
+    <p:ext uri="{EFAFB233-063F-42B5-8137-9DF3F51BA10A}">
+      <p15:sldGuideLst xmlns:p15="http://schemas.microsoft.com/office/powerpoint/2012/main"/>
+    </p:ext>
+  </p:extLst>
 </p:presentation>
 </file>
 
@@ -4010,6 +4016,237 @@
           <a:chExt cx="0" cy="0"/>
         </a:xfrm>
       </p:grpSpPr>
+      <p:sp>
+        <p:nvSpPr>
+          <p:cNvPr id="3" name="Объект 2">
+            <a:extLst>
+              <a:ext uri="{FF2B5EF4-FFF2-40B4-BE49-F238E27FC236}">
+                <a16:creationId xmlns:a16="http://schemas.microsoft.com/office/drawing/2014/main" id="{633B8534-5768-4FD0-BD89-2EFB90F8ADB9}"/>
+              </a:ext>
+            </a:extLst>
+          </p:cNvPr>
+          <p:cNvSpPr>
+            <a:spLocks noGrp="1"/>
+          </p:cNvSpPr>
+          <p:nvPr>
+            <p:ph idx="1"/>
+          </p:nvPr>
+        </p:nvSpPr>
+        <p:spPr>
+          <a:xfrm>
+            <a:off x="1696779" y="2215079"/>
+            <a:ext cx="8798442" cy="2956528"/>
+          </a:xfrm>
+        </p:spPr>
+        <p:txBody>
+          <a:bodyPr>
+            <a:normAutofit/>
+          </a:bodyPr>
+          <a:lstStyle/>
+          <a:p>
+            <a:pPr>
+              <a:lnSpc>
+                <a:spcPct val="150000"/>
+              </a:lnSpc>
+            </a:pPr>
+            <a:r>
+              <a:rPr lang="ru-RU" sz="2000" dirty="0">
+                <a:latin typeface="Times New Roman" panose="02020603050405020304" pitchFamily="18" charset="0"/>
+                <a:cs typeface="Times New Roman" panose="02020603050405020304" pitchFamily="18" charset="0"/>
+              </a:rPr>
+              <a:t>Язык: С++</a:t>
+            </a:r>
+            <a:r>
+              <a:rPr lang="en-US" sz="2000" dirty="0">
+                <a:latin typeface="Times New Roman" panose="02020603050405020304" pitchFamily="18" charset="0"/>
+                <a:cs typeface="Times New Roman" panose="02020603050405020304" pitchFamily="18" charset="0"/>
+              </a:rPr>
+              <a:t>;</a:t>
+            </a:r>
+            <a:endParaRPr lang="ru-RU" sz="2000" dirty="0">
+              <a:latin typeface="Times New Roman" panose="02020603050405020304" pitchFamily="18" charset="0"/>
+              <a:cs typeface="Times New Roman" panose="02020603050405020304" pitchFamily="18" charset="0"/>
+            </a:endParaRPr>
+          </a:p>
+          <a:p>
+            <a:pPr>
+              <a:lnSpc>
+                <a:spcPct val="150000"/>
+              </a:lnSpc>
+            </a:pPr>
+            <a:r>
+              <a:rPr lang="ru-RU" sz="2000" dirty="0">
+                <a:latin typeface="Times New Roman" panose="02020603050405020304" pitchFamily="18" charset="0"/>
+                <a:cs typeface="Times New Roman" panose="02020603050405020304" pitchFamily="18" charset="0"/>
+              </a:rPr>
+              <a:t>Модульное тестирование: </a:t>
+            </a:r>
+            <a:r>
+              <a:rPr lang="en-US" sz="2000" dirty="0" err="1">
+                <a:latin typeface="Times New Roman" panose="02020603050405020304" pitchFamily="18" charset="0"/>
+                <a:cs typeface="Times New Roman" panose="02020603050405020304" pitchFamily="18" charset="0"/>
+              </a:rPr>
+              <a:t>GoogleTest</a:t>
+            </a:r>
+            <a:r>
+              <a:rPr lang="en-US" sz="2000" dirty="0">
+                <a:latin typeface="Times New Roman" panose="02020603050405020304" pitchFamily="18" charset="0"/>
+                <a:cs typeface="Times New Roman" panose="02020603050405020304" pitchFamily="18" charset="0"/>
+              </a:rPr>
+              <a:t>;</a:t>
+            </a:r>
+          </a:p>
+          <a:p>
+            <a:pPr>
+              <a:lnSpc>
+                <a:spcPct val="150000"/>
+              </a:lnSpc>
+            </a:pPr>
+            <a:r>
+              <a:rPr lang="ru-RU" sz="2000" dirty="0">
+                <a:latin typeface="Times New Roman" panose="02020603050405020304" pitchFamily="18" charset="0"/>
+                <a:cs typeface="Times New Roman" panose="02020603050405020304" pitchFamily="18" charset="0"/>
+              </a:rPr>
+              <a:t>Определение покрытия кода: </a:t>
+            </a:r>
+            <a:r>
+              <a:rPr lang="en-US" sz="2000" dirty="0" err="1">
+                <a:latin typeface="Times New Roman" panose="02020603050405020304" pitchFamily="18" charset="0"/>
+                <a:cs typeface="Times New Roman" panose="02020603050405020304" pitchFamily="18" charset="0"/>
+              </a:rPr>
+              <a:t>gcov</a:t>
+            </a:r>
+            <a:r>
+              <a:rPr lang="en-US" sz="2000" dirty="0">
+                <a:latin typeface="Times New Roman" panose="02020603050405020304" pitchFamily="18" charset="0"/>
+                <a:cs typeface="Times New Roman" panose="02020603050405020304" pitchFamily="18" charset="0"/>
+              </a:rPr>
+              <a:t>.</a:t>
+            </a:r>
+            <a:endParaRPr lang="ru-RU" sz="2000" dirty="0">
+              <a:latin typeface="Times New Roman" panose="02020603050405020304" pitchFamily="18" charset="0"/>
+              <a:cs typeface="Times New Roman" panose="02020603050405020304" pitchFamily="18" charset="0"/>
+            </a:endParaRPr>
+          </a:p>
+        </p:txBody>
+      </p:sp>
+      <p:sp>
+        <p:nvSpPr>
+          <p:cNvPr id="4" name="Заголовок 1">
+            <a:extLst>
+              <a:ext uri="{FF2B5EF4-FFF2-40B4-BE49-F238E27FC236}">
+                <a16:creationId xmlns:a16="http://schemas.microsoft.com/office/drawing/2014/main" id="{97EBBCD4-8F39-41AE-92D0-DF53936AA8C2}"/>
+              </a:ext>
+            </a:extLst>
+          </p:cNvPr>
+          <p:cNvSpPr txBox="1">
+            <a:spLocks/>
+          </p:cNvSpPr>
+          <p:nvPr/>
+        </p:nvSpPr>
+        <p:spPr>
+          <a:xfrm>
+            <a:off x="838200" y="365125"/>
+            <a:ext cx="10515600" cy="1325563"/>
+          </a:xfrm>
+          <a:prstGeom prst="rect">
+            <a:avLst/>
+          </a:prstGeom>
+        </p:spPr>
+        <p:txBody>
+          <a:bodyPr vert="horz" lIns="91440" tIns="45720" rIns="91440" bIns="45720" rtlCol="0" anchor="ctr">
+            <a:normAutofit/>
+          </a:bodyPr>
+          <a:lstStyle>
+            <a:lvl1pPr algn="l" defTabSz="914400" rtl="0" eaLnBrk="1" latinLnBrk="0" hangingPunct="1">
+              <a:lnSpc>
+                <a:spcPct val="90000"/>
+              </a:lnSpc>
+              <a:spcBef>
+                <a:spcPct val="0"/>
+              </a:spcBef>
+              <a:buNone/>
+              <a:defRPr sz="4400" kern="1200">
+                <a:solidFill>
+                  <a:schemeClr val="tx1"/>
+                </a:solidFill>
+                <a:latin typeface="+mj-lt"/>
+                <a:ea typeface="+mj-ea"/>
+                <a:cs typeface="+mj-cs"/>
+              </a:defRPr>
+            </a:lvl1pPr>
+          </a:lstStyle>
+          <a:p>
+            <a:pPr algn="ctr"/>
+            <a:r>
+              <a:rPr lang="ru-RU" sz="4000" dirty="0">
+                <a:latin typeface="Times New Roman" panose="02020603050405020304" pitchFamily="18" charset="0"/>
+                <a:cs typeface="Times New Roman" panose="02020603050405020304" pitchFamily="18" charset="0"/>
+              </a:rPr>
+              <a:t>Средства реализации</a:t>
+            </a:r>
+          </a:p>
+        </p:txBody>
+      </p:sp>
+      <p:sp>
+        <p:nvSpPr>
+          <p:cNvPr id="7" name="Номер слайда 6">
+            <a:extLst>
+              <a:ext uri="{FF2B5EF4-FFF2-40B4-BE49-F238E27FC236}">
+                <a16:creationId xmlns:a16="http://schemas.microsoft.com/office/drawing/2014/main" id="{893AD331-69D2-4DA1-A9E9-B66A26DC3789}"/>
+              </a:ext>
+            </a:extLst>
+          </p:cNvPr>
+          <p:cNvSpPr>
+            <a:spLocks noGrp="1"/>
+          </p:cNvSpPr>
+          <p:nvPr>
+            <p:ph type="sldNum" sz="quarter" idx="12"/>
+          </p:nvPr>
+        </p:nvSpPr>
+        <p:spPr/>
+        <p:txBody>
+          <a:bodyPr/>
+          <a:lstStyle/>
+          <a:p>
+            <a:fld id="{A9D03B6C-D60D-4F7F-9B4C-E247518A713C}" type="slidenum">
+              <a:rPr lang="ru-RU" smtClean="0"/>
+              <a:t>10</a:t>
+            </a:fld>
+            <a:endParaRPr lang="ru-RU"/>
+          </a:p>
+        </p:txBody>
+      </p:sp>
+    </p:spTree>
+    <p:extLst>
+      <p:ext uri="{BB962C8B-B14F-4D97-AF65-F5344CB8AC3E}">
+        <p14:creationId xmlns:p14="http://schemas.microsoft.com/office/powerpoint/2010/main" val="1581887428"/>
+      </p:ext>
+    </p:extLst>
+  </p:cSld>
+  <p:clrMapOvr>
+    <a:masterClrMapping/>
+  </p:clrMapOvr>
+</p:sld>
+</file>
+
+<file path=ppt/slides/slide11.xml><?xml version="1.0" encoding="utf-8"?>
+<p:sld xmlns:a="http://schemas.openxmlformats.org/drawingml/2006/main" xmlns:r="http://schemas.openxmlformats.org/officeDocument/2006/relationships" xmlns:p="http://schemas.openxmlformats.org/presentationml/2006/main">
+  <p:cSld>
+    <p:spTree>
+      <p:nvGrpSpPr>
+        <p:cNvPr id="1" name=""/>
+        <p:cNvGrpSpPr/>
+        <p:nvPr/>
+      </p:nvGrpSpPr>
+      <p:grpSpPr>
+        <a:xfrm>
+          <a:off x="0" y="0"/>
+          <a:ext cx="0" cy="0"/>
+          <a:chOff x="0" y="0"/>
+          <a:chExt cx="0" cy="0"/>
+        </a:xfrm>
+      </p:grpSpPr>
       <p:pic>
         <p:nvPicPr>
           <p:cNvPr id="5" name="Объект 4">
@@ -4126,7 +4363,7 @@
           <a:p>
             <a:fld id="{A9D03B6C-D60D-4F7F-9B4C-E247518A713C}" type="slidenum">
               <a:rPr lang="ru-RU" smtClean="0"/>
-              <a:t>10</a:t>
+              <a:t>11</a:t>
             </a:fld>
             <a:endParaRPr lang="ru-RU"/>
           </a:p>
@@ -4217,7 +4454,7 @@
 </p:sld>
 </file>
 
-<file path=ppt/slides/slide11.xml><?xml version="1.0" encoding="utf-8"?>
+<file path=ppt/slides/slide12.xml><?xml version="1.0" encoding="utf-8"?>
 <p:sld xmlns:a="http://schemas.openxmlformats.org/drawingml/2006/main" xmlns:r="http://schemas.openxmlformats.org/officeDocument/2006/relationships" xmlns:p="http://schemas.openxmlformats.org/presentationml/2006/main">
   <p:cSld>
     <p:spTree>
@@ -4252,13 +4489,13 @@
         </p:nvSpPr>
         <p:spPr>
           <a:xfrm>
-            <a:off x="838200" y="1632209"/>
-            <a:ext cx="10515600" cy="1285240"/>
+            <a:off x="838200" y="1632208"/>
+            <a:ext cx="10515600" cy="3043093"/>
           </a:xfrm>
         </p:spPr>
         <p:txBody>
           <a:bodyPr>
-            <a:normAutofit/>
+            <a:normAutofit lnSpcReduction="10000"/>
           </a:bodyPr>
           <a:lstStyle/>
           <a:p>
@@ -4273,15 +4510,48 @@
                 <a:latin typeface="Times New Roman" panose="02020603050405020304" pitchFamily="18" charset="0"/>
                 <a:cs typeface="Times New Roman" panose="02020603050405020304" pitchFamily="18" charset="0"/>
               </a:rPr>
-              <a:t>Были созданы наборы тестов для функций классов:</a:t>
+              <a:t>Были созданы наборы тестов для методов классов:</a:t>
             </a:r>
             <a:r>
               <a:rPr lang="en-US" sz="1800" dirty="0">
                 <a:latin typeface="Times New Roman" panose="02020603050405020304" pitchFamily="18" charset="0"/>
                 <a:cs typeface="Times New Roman" panose="02020603050405020304" pitchFamily="18" charset="0"/>
               </a:rPr>
-              <a:t> Camera, </a:t>
-            </a:r>
+              <a:t> </a:t>
+            </a:r>
+            <a:endParaRPr lang="ru-RU" sz="1800" dirty="0">
+              <a:latin typeface="Times New Roman" panose="02020603050405020304" pitchFamily="18" charset="0"/>
+              <a:cs typeface="Times New Roman" panose="02020603050405020304" pitchFamily="18" charset="0"/>
+            </a:endParaRPr>
+          </a:p>
+          <a:p>
+            <a:pPr marL="342900" indent="-342900">
+              <a:lnSpc>
+                <a:spcPct val="150000"/>
+              </a:lnSpc>
+              <a:buFont typeface="+mj-lt"/>
+              <a:buAutoNum type="arabicParenR"/>
+            </a:pPr>
+            <a:r>
+              <a:rPr lang="en-US" sz="1800" dirty="0">
+                <a:latin typeface="Times New Roman" panose="02020603050405020304" pitchFamily="18" charset="0"/>
+                <a:cs typeface="Times New Roman" panose="02020603050405020304" pitchFamily="18" charset="0"/>
+              </a:rPr>
+              <a:t>Camera;</a:t>
+            </a:r>
+            <a:endParaRPr lang="ru-RU" sz="1800" dirty="0">
+              <a:latin typeface="Times New Roman" panose="02020603050405020304" pitchFamily="18" charset="0"/>
+              <a:cs typeface="Times New Roman" panose="02020603050405020304" pitchFamily="18" charset="0"/>
+            </a:endParaRPr>
+          </a:p>
+          <a:p>
+            <a:pPr marL="342900" indent="-342900">
+              <a:lnSpc>
+                <a:spcPct val="150000"/>
+              </a:lnSpc>
+              <a:buFont typeface="+mj-lt"/>
+              <a:buAutoNum type="arabicParenR"/>
+            </a:pPr>
             <a:r>
               <a:rPr lang="en-US" sz="1800" dirty="0" err="1">
                 <a:latin typeface="Times New Roman" panose="02020603050405020304" pitchFamily="18" charset="0"/>
@@ -4294,7 +4564,47 @@
                 <a:latin typeface="Times New Roman" panose="02020603050405020304" pitchFamily="18" charset="0"/>
                 <a:cs typeface="Times New Roman" panose="02020603050405020304" pitchFamily="18" charset="0"/>
               </a:rPr>
-              <a:t>, Ray, Triangle.</a:t>
+              <a:t>; </a:t>
+            </a:r>
+            <a:endParaRPr lang="ru-RU" sz="1800" dirty="0">
+              <a:latin typeface="Times New Roman" panose="02020603050405020304" pitchFamily="18" charset="0"/>
+              <a:cs typeface="Times New Roman" panose="02020603050405020304" pitchFamily="18" charset="0"/>
+            </a:endParaRPr>
+          </a:p>
+          <a:p>
+            <a:pPr marL="342900" indent="-342900">
+              <a:lnSpc>
+                <a:spcPct val="150000"/>
+              </a:lnSpc>
+              <a:buFont typeface="+mj-lt"/>
+              <a:buAutoNum type="arabicParenR"/>
+            </a:pPr>
+            <a:r>
+              <a:rPr lang="en-US" sz="1800" dirty="0">
+                <a:latin typeface="Times New Roman" panose="02020603050405020304" pitchFamily="18" charset="0"/>
+                <a:cs typeface="Times New Roman" panose="02020603050405020304" pitchFamily="18" charset="0"/>
+              </a:rPr>
+              <a:t>Ray;</a:t>
+            </a:r>
+            <a:endParaRPr lang="ru-RU" sz="1800" dirty="0">
+              <a:latin typeface="Times New Roman" panose="02020603050405020304" pitchFamily="18" charset="0"/>
+              <a:cs typeface="Times New Roman" panose="02020603050405020304" pitchFamily="18" charset="0"/>
+            </a:endParaRPr>
+          </a:p>
+          <a:p>
+            <a:pPr marL="342900" indent="-342900">
+              <a:lnSpc>
+                <a:spcPct val="150000"/>
+              </a:lnSpc>
+              <a:buFont typeface="+mj-lt"/>
+              <a:buAutoNum type="arabicParenR"/>
+            </a:pPr>
+            <a:r>
+              <a:rPr lang="en-US" sz="1800" dirty="0">
+                <a:latin typeface="Times New Roman" panose="02020603050405020304" pitchFamily="18" charset="0"/>
+                <a:cs typeface="Times New Roman" panose="02020603050405020304" pitchFamily="18" charset="0"/>
+              </a:rPr>
+              <a:t>Triangle.</a:t>
             </a:r>
             <a:endParaRPr lang="ru-RU" sz="1800" dirty="0">
               <a:latin typeface="Times New Roman" panose="02020603050405020304" pitchFamily="18" charset="0"/>
@@ -4399,7 +4709,7 @@
           <a:p>
             <a:fld id="{A9D03B6C-D60D-4F7F-9B4C-E247518A713C}" type="slidenum">
               <a:rPr lang="ru-RU" smtClean="0"/>
-              <a:t>11</a:t>
+              <a:t>12</a:t>
             </a:fld>
             <a:endParaRPr lang="ru-RU"/>
           </a:p>
@@ -4420,13 +4730,13 @@
           <p:nvPr>
             <p:extLst>
               <p:ext uri="{D42A27DB-BD31-4B8C-83A1-F6EECF244321}">
-                <p14:modId xmlns:p14="http://schemas.microsoft.com/office/powerpoint/2010/main" val="1940950566"/>
+                <p14:modId xmlns:p14="http://schemas.microsoft.com/office/powerpoint/2010/main" val="2819229589"/>
               </p:ext>
             </p:extLst>
           </p:nvPr>
         </p:nvGraphicFramePr>
         <p:xfrm>
-          <a:off x="838200" y="2979656"/>
+          <a:off x="838200" y="4737507"/>
           <a:ext cx="10515600" cy="1204877"/>
         </p:xfrm>
         <a:graphic>
@@ -4813,7 +5123,7 @@
 </p:sld>
 </file>
 
-<file path=ppt/slides/slide12.xml><?xml version="1.0" encoding="utf-8"?>
+<file path=ppt/slides/slide13.xml><?xml version="1.0" encoding="utf-8"?>
 <p:sld xmlns:a="http://schemas.openxmlformats.org/drawingml/2006/main" xmlns:r="http://schemas.openxmlformats.org/officeDocument/2006/relationships" xmlns:p="http://schemas.openxmlformats.org/presentationml/2006/main">
   <p:cSld>
     <p:spTree>
@@ -4946,7 +5256,7 @@
           <a:p>
             <a:fld id="{A9D03B6C-D60D-4F7F-9B4C-E247518A713C}" type="slidenum">
               <a:rPr lang="ru-RU" smtClean="0"/>
-              <a:t>12</a:t>
+              <a:t>13</a:t>
             </a:fld>
             <a:endParaRPr lang="ru-RU"/>
           </a:p>
@@ -5068,168 +5378,6 @@
     <p:extLst>
       <p:ext uri="{BB962C8B-B14F-4D97-AF65-F5344CB8AC3E}">
         <p14:creationId xmlns:p14="http://schemas.microsoft.com/office/powerpoint/2010/main" val="2005065935"/>
-      </p:ext>
-    </p:extLst>
-  </p:cSld>
-  <p:clrMapOvr>
-    <a:masterClrMapping/>
-  </p:clrMapOvr>
-</p:sld>
-</file>
-
-<file path=ppt/slides/slide13.xml><?xml version="1.0" encoding="utf-8"?>
-<p:sld xmlns:a="http://schemas.openxmlformats.org/drawingml/2006/main" xmlns:r="http://schemas.openxmlformats.org/officeDocument/2006/relationships" xmlns:p="http://schemas.openxmlformats.org/presentationml/2006/main">
-  <p:cSld>
-    <p:spTree>
-      <p:nvGrpSpPr>
-        <p:cNvPr id="1" name=""/>
-        <p:cNvGrpSpPr/>
-        <p:nvPr/>
-      </p:nvGrpSpPr>
-      <p:grpSpPr>
-        <a:xfrm>
-          <a:off x="0" y="0"/>
-          <a:ext cx="0" cy="0"/>
-          <a:chOff x="0" y="0"/>
-          <a:chExt cx="0" cy="0"/>
-        </a:xfrm>
-      </p:grpSpPr>
-      <p:pic>
-        <p:nvPicPr>
-          <p:cNvPr id="5" name="Объект 4">
-            <a:extLst>
-              <a:ext uri="{FF2B5EF4-FFF2-40B4-BE49-F238E27FC236}">
-                <a16:creationId xmlns:a16="http://schemas.microsoft.com/office/drawing/2014/main" id="{39EF78E2-F743-4100-9953-28E9F2089551}"/>
-              </a:ext>
-            </a:extLst>
-          </p:cNvPr>
-          <p:cNvPicPr>
-            <a:picLocks noGrp="1" noChangeAspect="1"/>
-          </p:cNvPicPr>
-          <p:nvPr>
-            <p:ph idx="1"/>
-          </p:nvPr>
-        </p:nvPicPr>
-        <p:blipFill>
-          <a:blip r:embed="rId2">
-            <a:extLst>
-              <a:ext uri="{28A0092B-C50C-407E-A947-70E740481C1C}">
-                <a14:useLocalDpi xmlns:a14="http://schemas.microsoft.com/office/drawing/2010/main" val="0"/>
-              </a:ext>
-            </a:extLst>
-          </a:blip>
-          <a:stretch>
-            <a:fillRect/>
-          </a:stretch>
-        </p:blipFill>
-        <p:spPr>
-          <a:xfrm>
-            <a:off x="2238347" y="1791478"/>
-            <a:ext cx="7715306" cy="4305331"/>
-          </a:xfrm>
-        </p:spPr>
-      </p:pic>
-      <p:sp>
-        <p:nvSpPr>
-          <p:cNvPr id="4" name="Заголовок 1">
-            <a:extLst>
-              <a:ext uri="{FF2B5EF4-FFF2-40B4-BE49-F238E27FC236}">
-                <a16:creationId xmlns:a16="http://schemas.microsoft.com/office/drawing/2014/main" id="{97EBBCD4-8F39-41AE-92D0-DF53936AA8C2}"/>
-              </a:ext>
-            </a:extLst>
-          </p:cNvPr>
-          <p:cNvSpPr txBox="1">
-            <a:spLocks/>
-          </p:cNvSpPr>
-          <p:nvPr/>
-        </p:nvSpPr>
-        <p:spPr>
-          <a:xfrm>
-            <a:off x="838200" y="365125"/>
-            <a:ext cx="10515600" cy="1325563"/>
-          </a:xfrm>
-          <a:prstGeom prst="rect">
-            <a:avLst/>
-          </a:prstGeom>
-        </p:spPr>
-        <p:txBody>
-          <a:bodyPr vert="horz" lIns="91440" tIns="45720" rIns="91440" bIns="45720" rtlCol="0" anchor="ctr">
-            <a:normAutofit fontScale="92500" lnSpcReduction="20000"/>
-          </a:bodyPr>
-          <a:lstStyle>
-            <a:lvl1pPr algn="l" defTabSz="914400" rtl="0" eaLnBrk="1" latinLnBrk="0" hangingPunct="1">
-              <a:lnSpc>
-                <a:spcPct val="90000"/>
-              </a:lnSpc>
-              <a:spcBef>
-                <a:spcPct val="0"/>
-              </a:spcBef>
-              <a:buNone/>
-              <a:defRPr sz="4400" kern="1200">
-                <a:solidFill>
-                  <a:schemeClr val="tx1"/>
-                </a:solidFill>
-                <a:latin typeface="+mj-lt"/>
-                <a:ea typeface="+mj-ea"/>
-                <a:cs typeface="+mj-cs"/>
-              </a:defRPr>
-            </a:lvl1pPr>
-          </a:lstStyle>
-          <a:p>
-            <a:pPr algn="ctr"/>
-            <a:r>
-              <a:rPr lang="ru-RU" sz="4000" dirty="0">
-                <a:latin typeface="Times New Roman" panose="02020603050405020304" pitchFamily="18" charset="0"/>
-                <a:cs typeface="Times New Roman" panose="02020603050405020304" pitchFamily="18" charset="0"/>
-              </a:rPr>
-              <a:t>Исследование зависимости времени генерации</a:t>
-            </a:r>
-          </a:p>
-          <a:p>
-            <a:pPr algn="ctr"/>
-            <a:r>
-              <a:rPr lang="ru-RU" sz="4000" dirty="0">
-                <a:latin typeface="Times New Roman" panose="02020603050405020304" pitchFamily="18" charset="0"/>
-                <a:cs typeface="Times New Roman" panose="02020603050405020304" pitchFamily="18" charset="0"/>
-              </a:rPr>
-              <a:t>кадра от числа полигонов на сцене для варьируемого числа рабочих потоков.</a:t>
-            </a:r>
-          </a:p>
-        </p:txBody>
-      </p:sp>
-      <p:sp>
-        <p:nvSpPr>
-          <p:cNvPr id="7" name="Номер слайда 6">
-            <a:extLst>
-              <a:ext uri="{FF2B5EF4-FFF2-40B4-BE49-F238E27FC236}">
-                <a16:creationId xmlns:a16="http://schemas.microsoft.com/office/drawing/2014/main" id="{893AD331-69D2-4DA1-A9E9-B66A26DC3789}"/>
-              </a:ext>
-            </a:extLst>
-          </p:cNvPr>
-          <p:cNvSpPr>
-            <a:spLocks noGrp="1"/>
-          </p:cNvSpPr>
-          <p:nvPr>
-            <p:ph type="sldNum" sz="quarter" idx="12"/>
-          </p:nvPr>
-        </p:nvSpPr>
-        <p:spPr/>
-        <p:txBody>
-          <a:bodyPr/>
-          <a:lstStyle/>
-          <a:p>
-            <a:fld id="{A9D03B6C-D60D-4F7F-9B4C-E247518A713C}" type="slidenum">
-              <a:rPr lang="ru-RU" smtClean="0"/>
-              <a:t>13</a:t>
-            </a:fld>
-            <a:endParaRPr lang="ru-RU"/>
-          </a:p>
-        </p:txBody>
-      </p:sp>
-    </p:spTree>
-    <p:extLst>
-      <p:ext uri="{BB962C8B-B14F-4D97-AF65-F5344CB8AC3E}">
-        <p14:creationId xmlns:p14="http://schemas.microsoft.com/office/powerpoint/2010/main" val="3395546180"/>
       </p:ext>
     </p:extLst>
   </p:cSld>
@@ -5256,6 +5404,168 @@
           <a:chExt cx="0" cy="0"/>
         </a:xfrm>
       </p:grpSpPr>
+      <p:pic>
+        <p:nvPicPr>
+          <p:cNvPr id="5" name="Объект 4">
+            <a:extLst>
+              <a:ext uri="{FF2B5EF4-FFF2-40B4-BE49-F238E27FC236}">
+                <a16:creationId xmlns:a16="http://schemas.microsoft.com/office/drawing/2014/main" id="{39EF78E2-F743-4100-9953-28E9F2089551}"/>
+              </a:ext>
+            </a:extLst>
+          </p:cNvPr>
+          <p:cNvPicPr>
+            <a:picLocks noGrp="1" noChangeAspect="1"/>
+          </p:cNvPicPr>
+          <p:nvPr>
+            <p:ph idx="1"/>
+          </p:nvPr>
+        </p:nvPicPr>
+        <p:blipFill>
+          <a:blip r:embed="rId2">
+            <a:extLst>
+              <a:ext uri="{28A0092B-C50C-407E-A947-70E740481C1C}">
+                <a14:useLocalDpi xmlns:a14="http://schemas.microsoft.com/office/drawing/2010/main" val="0"/>
+              </a:ext>
+            </a:extLst>
+          </a:blip>
+          <a:stretch>
+            <a:fillRect/>
+          </a:stretch>
+        </p:blipFill>
+        <p:spPr>
+          <a:xfrm>
+            <a:off x="2238347" y="1791478"/>
+            <a:ext cx="7715306" cy="4305331"/>
+          </a:xfrm>
+        </p:spPr>
+      </p:pic>
+      <p:sp>
+        <p:nvSpPr>
+          <p:cNvPr id="4" name="Заголовок 1">
+            <a:extLst>
+              <a:ext uri="{FF2B5EF4-FFF2-40B4-BE49-F238E27FC236}">
+                <a16:creationId xmlns:a16="http://schemas.microsoft.com/office/drawing/2014/main" id="{97EBBCD4-8F39-41AE-92D0-DF53936AA8C2}"/>
+              </a:ext>
+            </a:extLst>
+          </p:cNvPr>
+          <p:cNvSpPr txBox="1">
+            <a:spLocks/>
+          </p:cNvSpPr>
+          <p:nvPr/>
+        </p:nvSpPr>
+        <p:spPr>
+          <a:xfrm>
+            <a:off x="838200" y="365125"/>
+            <a:ext cx="10515600" cy="1325563"/>
+          </a:xfrm>
+          <a:prstGeom prst="rect">
+            <a:avLst/>
+          </a:prstGeom>
+        </p:spPr>
+        <p:txBody>
+          <a:bodyPr vert="horz" lIns="91440" tIns="45720" rIns="91440" bIns="45720" rtlCol="0" anchor="ctr">
+            <a:normAutofit fontScale="92500" lnSpcReduction="20000"/>
+          </a:bodyPr>
+          <a:lstStyle>
+            <a:lvl1pPr algn="l" defTabSz="914400" rtl="0" eaLnBrk="1" latinLnBrk="0" hangingPunct="1">
+              <a:lnSpc>
+                <a:spcPct val="90000"/>
+              </a:lnSpc>
+              <a:spcBef>
+                <a:spcPct val="0"/>
+              </a:spcBef>
+              <a:buNone/>
+              <a:defRPr sz="4400" kern="1200">
+                <a:solidFill>
+                  <a:schemeClr val="tx1"/>
+                </a:solidFill>
+                <a:latin typeface="+mj-lt"/>
+                <a:ea typeface="+mj-ea"/>
+                <a:cs typeface="+mj-cs"/>
+              </a:defRPr>
+            </a:lvl1pPr>
+          </a:lstStyle>
+          <a:p>
+            <a:pPr algn="ctr"/>
+            <a:r>
+              <a:rPr lang="ru-RU" sz="4000" dirty="0">
+                <a:latin typeface="Times New Roman" panose="02020603050405020304" pitchFamily="18" charset="0"/>
+                <a:cs typeface="Times New Roman" panose="02020603050405020304" pitchFamily="18" charset="0"/>
+              </a:rPr>
+              <a:t>Исследование зависимости времени генерации</a:t>
+            </a:r>
+          </a:p>
+          <a:p>
+            <a:pPr algn="ctr"/>
+            <a:r>
+              <a:rPr lang="ru-RU" sz="4000" dirty="0">
+                <a:latin typeface="Times New Roman" panose="02020603050405020304" pitchFamily="18" charset="0"/>
+                <a:cs typeface="Times New Roman" panose="02020603050405020304" pitchFamily="18" charset="0"/>
+              </a:rPr>
+              <a:t>кадра от числа полигонов на сцене для варьируемого числа рабочих потоков.</a:t>
+            </a:r>
+          </a:p>
+        </p:txBody>
+      </p:sp>
+      <p:sp>
+        <p:nvSpPr>
+          <p:cNvPr id="7" name="Номер слайда 6">
+            <a:extLst>
+              <a:ext uri="{FF2B5EF4-FFF2-40B4-BE49-F238E27FC236}">
+                <a16:creationId xmlns:a16="http://schemas.microsoft.com/office/drawing/2014/main" id="{893AD331-69D2-4DA1-A9E9-B66A26DC3789}"/>
+              </a:ext>
+            </a:extLst>
+          </p:cNvPr>
+          <p:cNvSpPr>
+            <a:spLocks noGrp="1"/>
+          </p:cNvSpPr>
+          <p:nvPr>
+            <p:ph type="sldNum" sz="quarter" idx="12"/>
+          </p:nvPr>
+        </p:nvSpPr>
+        <p:spPr/>
+        <p:txBody>
+          <a:bodyPr/>
+          <a:lstStyle/>
+          <a:p>
+            <a:fld id="{A9D03B6C-D60D-4F7F-9B4C-E247518A713C}" type="slidenum">
+              <a:rPr lang="ru-RU" smtClean="0"/>
+              <a:t>14</a:t>
+            </a:fld>
+            <a:endParaRPr lang="ru-RU"/>
+          </a:p>
+        </p:txBody>
+      </p:sp>
+    </p:spTree>
+    <p:extLst>
+      <p:ext uri="{BB962C8B-B14F-4D97-AF65-F5344CB8AC3E}">
+        <p14:creationId xmlns:p14="http://schemas.microsoft.com/office/powerpoint/2010/main" val="3395546180"/>
+      </p:ext>
+    </p:extLst>
+  </p:cSld>
+  <p:clrMapOvr>
+    <a:masterClrMapping/>
+  </p:clrMapOvr>
+</p:sld>
+</file>
+
+<file path=ppt/slides/slide15.xml><?xml version="1.0" encoding="utf-8"?>
+<p:sld xmlns:a="http://schemas.openxmlformats.org/drawingml/2006/main" xmlns:r="http://schemas.openxmlformats.org/officeDocument/2006/relationships" xmlns:p="http://schemas.openxmlformats.org/presentationml/2006/main">
+  <p:cSld>
+    <p:spTree>
+      <p:nvGrpSpPr>
+        <p:cNvPr id="1" name=""/>
+        <p:cNvGrpSpPr/>
+        <p:nvPr/>
+      </p:nvGrpSpPr>
+      <p:grpSpPr>
+        <a:xfrm>
+          <a:off x="0" y="0"/>
+          <a:ext cx="0" cy="0"/>
+          <a:chOff x="0" y="0"/>
+          <a:chExt cx="0" cy="0"/>
+        </a:xfrm>
+      </p:grpSpPr>
       <p:sp>
         <p:nvSpPr>
           <p:cNvPr id="3" name="Объект 2">
@@ -5309,19 +5619,8 @@
                 <a:latin typeface="Times New Roman" panose="02020603050405020304" pitchFamily="18" charset="0"/>
                 <a:cs typeface="Times New Roman" panose="02020603050405020304" pitchFamily="18" charset="0"/>
               </a:rPr>
-              <a:t>: разработано программное обеспечение, которое позволяет получить реалистичное изображение шахматных фигур на шахматной </a:t>
-            </a:r>
-            <a:r>
-              <a:rPr lang="ru-RU" sz="1800">
-                <a:latin typeface="Times New Roman" panose="02020603050405020304" pitchFamily="18" charset="0"/>
-                <a:cs typeface="Times New Roman" panose="02020603050405020304" pitchFamily="18" charset="0"/>
-              </a:rPr>
-              <a:t>доске.</a:t>
-            </a:r>
-            <a:endParaRPr lang="ru-RU" sz="1800" dirty="0">
-              <a:latin typeface="Times New Roman" panose="02020603050405020304" pitchFamily="18" charset="0"/>
-              <a:cs typeface="Times New Roman" panose="02020603050405020304" pitchFamily="18" charset="0"/>
-            </a:endParaRPr>
+              <a:t>: разработано программное обеспечение, которое позволяет получить реалистичное изображение шахматных фигур на шахматной доске.</a:t>
+            </a:r>
           </a:p>
           <a:p>
             <a:pPr marL="0" indent="0">
@@ -5510,7 +5809,7 @@
           <a:p>
             <a:fld id="{A9D03B6C-D60D-4F7F-9B4C-E247518A713C}" type="slidenum">
               <a:rPr lang="ru-RU" smtClean="0"/>
-              <a:t>14</a:t>
+              <a:t>15</a:t>
             </a:fld>
             <a:endParaRPr lang="ru-RU"/>
           </a:p>
@@ -5848,41 +6147,6 @@
           <a:chExt cx="0" cy="0"/>
         </a:xfrm>
       </p:grpSpPr>
-      <p:pic>
-        <p:nvPicPr>
-          <p:cNvPr id="5" name="Объект 4">
-            <a:extLst>
-              <a:ext uri="{FF2B5EF4-FFF2-40B4-BE49-F238E27FC236}">
-                <a16:creationId xmlns:a16="http://schemas.microsoft.com/office/drawing/2014/main" id="{B6211F48-B17B-4B60-988B-582AED9CEFA1}"/>
-              </a:ext>
-            </a:extLst>
-          </p:cNvPr>
-          <p:cNvPicPr>
-            <a:picLocks noGrp="1" noChangeAspect="1"/>
-          </p:cNvPicPr>
-          <p:nvPr>
-            <p:ph idx="1"/>
-          </p:nvPr>
-        </p:nvPicPr>
-        <p:blipFill>
-          <a:blip r:embed="rId2">
-            <a:extLst>
-              <a:ext uri="{28A0092B-C50C-407E-A947-70E740481C1C}">
-                <a14:useLocalDpi xmlns:a14="http://schemas.microsoft.com/office/drawing/2010/main" val="0"/>
-              </a:ext>
-            </a:extLst>
-          </a:blip>
-          <a:stretch>
-            <a:fillRect/>
-          </a:stretch>
-        </p:blipFill>
-        <p:spPr>
-          <a:xfrm>
-            <a:off x="838200" y="2443162"/>
-            <a:ext cx="10515600" cy="1971675"/>
-          </a:xfrm>
-        </p:spPr>
-      </p:pic>
       <p:sp>
         <p:nvSpPr>
           <p:cNvPr id="6" name="Заголовок 1">
@@ -5970,6 +6234,41 @@
           </a:p>
         </p:txBody>
       </p:sp>
+      <p:pic>
+        <p:nvPicPr>
+          <p:cNvPr id="14" name="Объект 13">
+            <a:extLst>
+              <a:ext uri="{FF2B5EF4-FFF2-40B4-BE49-F238E27FC236}">
+                <a16:creationId xmlns:a16="http://schemas.microsoft.com/office/drawing/2014/main" id="{A49237EA-1366-47B8-BD5C-0DE38DF2CE9E}"/>
+              </a:ext>
+            </a:extLst>
+          </p:cNvPr>
+          <p:cNvPicPr>
+            <a:picLocks noGrp="1" noChangeAspect="1"/>
+          </p:cNvPicPr>
+          <p:nvPr>
+            <p:ph idx="1"/>
+          </p:nvPr>
+        </p:nvPicPr>
+        <p:blipFill>
+          <a:blip r:embed="rId2">
+            <a:extLst>
+              <a:ext uri="{28A0092B-C50C-407E-A947-70E740481C1C}">
+                <a14:useLocalDpi xmlns:a14="http://schemas.microsoft.com/office/drawing/2010/main" val="0"/>
+              </a:ext>
+            </a:extLst>
+          </a:blip>
+          <a:stretch>
+            <a:fillRect/>
+          </a:stretch>
+        </p:blipFill>
+        <p:spPr>
+          <a:xfrm>
+            <a:off x="838200" y="2484605"/>
+            <a:ext cx="10515600" cy="1888789"/>
+          </a:xfrm>
+        </p:spPr>
+      </p:pic>
     </p:spTree>
     <p:extLst>
       <p:ext uri="{BB962C8B-B14F-4D97-AF65-F5344CB8AC3E}">
@@ -6216,6 +6515,341 @@
 </file>
 
 <file path=ppt/slides/slide5.xml><?xml version="1.0" encoding="utf-8"?>
+<p:sld xmlns:a="http://schemas.openxmlformats.org/drawingml/2006/main" xmlns:r="http://schemas.openxmlformats.org/officeDocument/2006/relationships" xmlns:p="http://schemas.openxmlformats.org/presentationml/2006/main">
+  <p:cSld>
+    <p:spTree>
+      <p:nvGrpSpPr>
+        <p:cNvPr id="1" name=""/>
+        <p:cNvGrpSpPr/>
+        <p:nvPr/>
+      </p:nvGrpSpPr>
+      <p:grpSpPr>
+        <a:xfrm>
+          <a:off x="0" y="0"/>
+          <a:ext cx="0" cy="0"/>
+          <a:chOff x="0" y="0"/>
+          <a:chExt cx="0" cy="0"/>
+        </a:xfrm>
+      </p:grpSpPr>
+      <p:sp>
+        <p:nvSpPr>
+          <p:cNvPr id="3" name="Объект 2">
+            <a:extLst>
+              <a:ext uri="{FF2B5EF4-FFF2-40B4-BE49-F238E27FC236}">
+                <a16:creationId xmlns:a16="http://schemas.microsoft.com/office/drawing/2014/main" id="{633B8534-5768-4FD0-BD89-2EFB90F8ADB9}"/>
+              </a:ext>
+            </a:extLst>
+          </p:cNvPr>
+          <p:cNvSpPr>
+            <a:spLocks noGrp="1"/>
+          </p:cNvSpPr>
+          <p:nvPr>
+            <p:ph idx="1"/>
+          </p:nvPr>
+        </p:nvSpPr>
+        <p:spPr>
+          <a:xfrm>
+            <a:off x="838200" y="1639834"/>
+            <a:ext cx="10515600" cy="3917830"/>
+          </a:xfrm>
+        </p:spPr>
+        <p:txBody>
+          <a:bodyPr>
+            <a:normAutofit/>
+          </a:bodyPr>
+          <a:lstStyle/>
+          <a:p>
+            <a:pPr marL="0" indent="0">
+              <a:lnSpc>
+                <a:spcPct val="150000"/>
+              </a:lnSpc>
+              <a:buNone/>
+            </a:pPr>
+            <a:r>
+              <a:rPr lang="ru-RU" sz="1800" dirty="0" err="1">
+                <a:latin typeface="Times New Roman" panose="02020603050405020304" pitchFamily="18" charset="0"/>
+                <a:cs typeface="Times New Roman" panose="02020603050405020304" pitchFamily="18" charset="0"/>
+              </a:rPr>
+              <a:t>Ia</a:t>
+            </a:r>
+            <a:r>
+              <a:rPr lang="ru-RU" sz="1800" dirty="0">
+                <a:latin typeface="Times New Roman" panose="02020603050405020304" pitchFamily="18" charset="0"/>
+                <a:cs typeface="Times New Roman" panose="02020603050405020304" pitchFamily="18" charset="0"/>
+              </a:rPr>
+              <a:t> —  интенсивность рассеянного света;</a:t>
+            </a:r>
+          </a:p>
+          <a:p>
+            <a:pPr marL="0" indent="0">
+              <a:lnSpc>
+                <a:spcPct val="150000"/>
+              </a:lnSpc>
+              <a:buNone/>
+            </a:pPr>
+            <a:r>
+              <a:rPr lang="ru-RU" sz="1800" dirty="0" err="1">
+                <a:latin typeface="Times New Roman" panose="02020603050405020304" pitchFamily="18" charset="0"/>
+                <a:cs typeface="Times New Roman" panose="02020603050405020304" pitchFamily="18" charset="0"/>
+              </a:rPr>
+              <a:t>Id</a:t>
+            </a:r>
+            <a:r>
+              <a:rPr lang="ru-RU" sz="1800" dirty="0">
+                <a:latin typeface="Times New Roman" panose="02020603050405020304" pitchFamily="18" charset="0"/>
+                <a:cs typeface="Times New Roman" panose="02020603050405020304" pitchFamily="18" charset="0"/>
+              </a:rPr>
+              <a:t>— интенсивность диффузного отражения света;</a:t>
+            </a:r>
+          </a:p>
+          <a:p>
+            <a:pPr marL="0" indent="0">
+              <a:lnSpc>
+                <a:spcPct val="150000"/>
+              </a:lnSpc>
+              <a:buNone/>
+            </a:pPr>
+            <a:r>
+              <a:rPr lang="ru-RU" sz="1800" dirty="0" err="1">
+                <a:latin typeface="Times New Roman" panose="02020603050405020304" pitchFamily="18" charset="0"/>
+                <a:cs typeface="Times New Roman" panose="02020603050405020304" pitchFamily="18" charset="0"/>
+              </a:rPr>
+              <a:t>Is</a:t>
+            </a:r>
+            <a:r>
+              <a:rPr lang="ru-RU" sz="1800" dirty="0">
+                <a:latin typeface="Times New Roman" panose="02020603050405020304" pitchFamily="18" charset="0"/>
+                <a:cs typeface="Times New Roman" panose="02020603050405020304" pitchFamily="18" charset="0"/>
+              </a:rPr>
+              <a:t> — интенсивность зеркального отражения света;</a:t>
+            </a:r>
+          </a:p>
+          <a:p>
+            <a:pPr marL="0" indent="0">
+              <a:lnSpc>
+                <a:spcPct val="150000"/>
+              </a:lnSpc>
+              <a:buNone/>
+            </a:pPr>
+            <a:r>
+              <a:rPr lang="ru-RU" sz="1800" dirty="0" err="1">
+                <a:latin typeface="Times New Roman" panose="02020603050405020304" pitchFamily="18" charset="0"/>
+                <a:cs typeface="Times New Roman" panose="02020603050405020304" pitchFamily="18" charset="0"/>
+              </a:rPr>
+              <a:t>Ir</a:t>
+            </a:r>
+            <a:r>
+              <a:rPr lang="ru-RU" sz="1800" dirty="0">
+                <a:latin typeface="Times New Roman" panose="02020603050405020304" pitchFamily="18" charset="0"/>
+                <a:cs typeface="Times New Roman" panose="02020603050405020304" pitchFamily="18" charset="0"/>
+              </a:rPr>
+              <a:t> — интенсивность света отраженного луча;</a:t>
+            </a:r>
+          </a:p>
+          <a:p>
+            <a:pPr marL="0" indent="0">
+              <a:lnSpc>
+                <a:spcPct val="150000"/>
+              </a:lnSpc>
+              <a:buNone/>
+            </a:pPr>
+            <a:r>
+              <a:rPr lang="ru-RU" sz="1800" dirty="0">
+                <a:latin typeface="Times New Roman" panose="02020603050405020304" pitchFamily="18" charset="0"/>
+                <a:cs typeface="Times New Roman" panose="02020603050405020304" pitchFamily="18" charset="0"/>
+              </a:rPr>
+              <a:t>It — интенсивность света преломленного луча;</a:t>
+            </a:r>
+          </a:p>
+          <a:p>
+            <a:pPr marL="0" indent="0">
+              <a:lnSpc>
+                <a:spcPct val="150000"/>
+              </a:lnSpc>
+              <a:buNone/>
+            </a:pPr>
+            <a:r>
+              <a:rPr lang="ru-RU" sz="1800" dirty="0" err="1">
+                <a:latin typeface="Times New Roman" panose="02020603050405020304" pitchFamily="18" charset="0"/>
+                <a:cs typeface="Times New Roman" panose="02020603050405020304" pitchFamily="18" charset="0"/>
+              </a:rPr>
+              <a:t>ks</a:t>
+            </a:r>
+            <a:r>
+              <a:rPr lang="ru-RU" sz="1800" dirty="0">
+                <a:latin typeface="Times New Roman" panose="02020603050405020304" pitchFamily="18" charset="0"/>
+                <a:cs typeface="Times New Roman" panose="02020603050405020304" pitchFamily="18" charset="0"/>
+              </a:rPr>
+              <a:t> — коэффициент зеркального отражения света;</a:t>
+            </a:r>
+          </a:p>
+          <a:p>
+            <a:pPr marL="0" indent="0">
+              <a:lnSpc>
+                <a:spcPct val="150000"/>
+              </a:lnSpc>
+              <a:buNone/>
+            </a:pPr>
+            <a:r>
+              <a:rPr lang="ru-RU" sz="1800" dirty="0" err="1">
+                <a:latin typeface="Times New Roman" panose="02020603050405020304" pitchFamily="18" charset="0"/>
+                <a:cs typeface="Times New Roman" panose="02020603050405020304" pitchFamily="18" charset="0"/>
+              </a:rPr>
+              <a:t>kt</a:t>
+            </a:r>
+            <a:r>
+              <a:rPr lang="ru-RU" sz="1800" dirty="0">
+                <a:latin typeface="Times New Roman" panose="02020603050405020304" pitchFamily="18" charset="0"/>
+                <a:cs typeface="Times New Roman" panose="02020603050405020304" pitchFamily="18" charset="0"/>
+              </a:rPr>
+              <a:t> — коэффициент пропускания света.</a:t>
+            </a:r>
+          </a:p>
+          <a:p>
+            <a:pPr marL="0" indent="0">
+              <a:lnSpc>
+                <a:spcPct val="150000"/>
+              </a:lnSpc>
+              <a:buNone/>
+            </a:pPr>
+            <a:endParaRPr lang="ru-RU" sz="1800" dirty="0">
+              <a:latin typeface="Times New Roman" panose="02020603050405020304" pitchFamily="18" charset="0"/>
+              <a:cs typeface="Times New Roman" panose="02020603050405020304" pitchFamily="18" charset="0"/>
+            </a:endParaRPr>
+          </a:p>
+        </p:txBody>
+      </p:sp>
+      <p:sp>
+        <p:nvSpPr>
+          <p:cNvPr id="4" name="Заголовок 1">
+            <a:extLst>
+              <a:ext uri="{FF2B5EF4-FFF2-40B4-BE49-F238E27FC236}">
+                <a16:creationId xmlns:a16="http://schemas.microsoft.com/office/drawing/2014/main" id="{97EBBCD4-8F39-41AE-92D0-DF53936AA8C2}"/>
+              </a:ext>
+            </a:extLst>
+          </p:cNvPr>
+          <p:cNvSpPr txBox="1">
+            <a:spLocks/>
+          </p:cNvSpPr>
+          <p:nvPr/>
+        </p:nvSpPr>
+        <p:spPr>
+          <a:xfrm>
+            <a:off x="838200" y="365125"/>
+            <a:ext cx="10515600" cy="1325563"/>
+          </a:xfrm>
+          <a:prstGeom prst="rect">
+            <a:avLst/>
+          </a:prstGeom>
+        </p:spPr>
+        <p:txBody>
+          <a:bodyPr vert="horz" lIns="91440" tIns="45720" rIns="91440" bIns="45720" rtlCol="0" anchor="ctr">
+            <a:normAutofit/>
+          </a:bodyPr>
+          <a:lstStyle>
+            <a:lvl1pPr algn="l" defTabSz="914400" rtl="0" eaLnBrk="1" latinLnBrk="0" hangingPunct="1">
+              <a:lnSpc>
+                <a:spcPct val="90000"/>
+              </a:lnSpc>
+              <a:spcBef>
+                <a:spcPct val="0"/>
+              </a:spcBef>
+              <a:buNone/>
+              <a:defRPr sz="4400" kern="1200">
+                <a:solidFill>
+                  <a:schemeClr val="tx1"/>
+                </a:solidFill>
+                <a:latin typeface="+mj-lt"/>
+                <a:ea typeface="+mj-ea"/>
+                <a:cs typeface="+mj-cs"/>
+              </a:defRPr>
+            </a:lvl1pPr>
+          </a:lstStyle>
+          <a:p>
+            <a:pPr algn="ctr"/>
+            <a:r>
+              <a:rPr lang="ru-RU" sz="4000" dirty="0">
+                <a:latin typeface="Times New Roman" panose="02020603050405020304" pitchFamily="18" charset="0"/>
+                <a:cs typeface="Times New Roman" panose="02020603050405020304" pitchFamily="18" charset="0"/>
+              </a:rPr>
+              <a:t>Глобальная модель освещения</a:t>
+            </a:r>
+          </a:p>
+        </p:txBody>
+      </p:sp>
+      <p:sp>
+        <p:nvSpPr>
+          <p:cNvPr id="7" name="Номер слайда 6">
+            <a:extLst>
+              <a:ext uri="{FF2B5EF4-FFF2-40B4-BE49-F238E27FC236}">
+                <a16:creationId xmlns:a16="http://schemas.microsoft.com/office/drawing/2014/main" id="{893AD331-69D2-4DA1-A9E9-B66A26DC3789}"/>
+              </a:ext>
+            </a:extLst>
+          </p:cNvPr>
+          <p:cNvSpPr>
+            <a:spLocks noGrp="1"/>
+          </p:cNvSpPr>
+          <p:nvPr>
+            <p:ph type="sldNum" sz="quarter" idx="12"/>
+          </p:nvPr>
+        </p:nvSpPr>
+        <p:spPr/>
+        <p:txBody>
+          <a:bodyPr/>
+          <a:lstStyle/>
+          <a:p>
+            <a:fld id="{A9D03B6C-D60D-4F7F-9B4C-E247518A713C}" type="slidenum">
+              <a:rPr lang="ru-RU" smtClean="0"/>
+              <a:t>5</a:t>
+            </a:fld>
+            <a:endParaRPr lang="ru-RU"/>
+          </a:p>
+        </p:txBody>
+      </p:sp>
+      <p:pic>
+        <p:nvPicPr>
+          <p:cNvPr id="8" name="Рисунок 7">
+            <a:extLst>
+              <a:ext uri="{FF2B5EF4-FFF2-40B4-BE49-F238E27FC236}">
+                <a16:creationId xmlns:a16="http://schemas.microsoft.com/office/drawing/2014/main" id="{F4A28E57-76AD-46C6-AAE9-7AB219774EF5}"/>
+              </a:ext>
+            </a:extLst>
+          </p:cNvPr>
+          <p:cNvPicPr>
+            <a:picLocks noChangeAspect="1"/>
+          </p:cNvPicPr>
+          <p:nvPr/>
+        </p:nvPicPr>
+        <p:blipFill>
+          <a:blip r:embed="rId2"/>
+          <a:stretch>
+            <a:fillRect/>
+          </a:stretch>
+        </p:blipFill>
+        <p:spPr>
+          <a:xfrm>
+            <a:off x="3623917" y="5557664"/>
+            <a:ext cx="4944165" cy="400106"/>
+          </a:xfrm>
+          <a:prstGeom prst="rect">
+            <a:avLst/>
+          </a:prstGeom>
+        </p:spPr>
+      </p:pic>
+    </p:spTree>
+    <p:extLst>
+      <p:ext uri="{BB962C8B-B14F-4D97-AF65-F5344CB8AC3E}">
+        <p14:creationId xmlns:p14="http://schemas.microsoft.com/office/powerpoint/2010/main" val="3483762092"/>
+      </p:ext>
+    </p:extLst>
+  </p:cSld>
+  <p:clrMapOvr>
+    <a:masterClrMapping/>
+  </p:clrMapOvr>
+</p:sld>
+</file>
+
+<file path=ppt/slides/slide6.xml><?xml version="1.0" encoding="utf-8"?>
 <p:sld xmlns:a="http://schemas.openxmlformats.org/drawingml/2006/main" xmlns:r="http://schemas.openxmlformats.org/officeDocument/2006/relationships" xmlns:p="http://schemas.openxmlformats.org/presentationml/2006/main">
   <p:cSld>
     <p:spTree>
@@ -7481,7 +8115,7 @@
           <a:p>
             <a:fld id="{A9D03B6C-D60D-4F7F-9B4C-E247518A713C}" type="slidenum">
               <a:rPr lang="ru-RU" smtClean="0"/>
-              <a:t>5</a:t>
+              <a:t>6</a:t>
             </a:fld>
             <a:endParaRPr lang="ru-RU"/>
           </a:p>
@@ -7491,158 +8125,6 @@
     <p:extLst>
       <p:ext uri="{BB962C8B-B14F-4D97-AF65-F5344CB8AC3E}">
         <p14:creationId xmlns:p14="http://schemas.microsoft.com/office/powerpoint/2010/main" val="1316681857"/>
-      </p:ext>
-    </p:extLst>
-  </p:cSld>
-  <p:clrMapOvr>
-    <a:masterClrMapping/>
-  </p:clrMapOvr>
-</p:sld>
-</file>
-
-<file path=ppt/slides/slide6.xml><?xml version="1.0" encoding="utf-8"?>
-<p:sld xmlns:a="http://schemas.openxmlformats.org/drawingml/2006/main" xmlns:r="http://schemas.openxmlformats.org/officeDocument/2006/relationships" xmlns:p="http://schemas.openxmlformats.org/presentationml/2006/main">
-  <p:cSld>
-    <p:spTree>
-      <p:nvGrpSpPr>
-        <p:cNvPr id="1" name=""/>
-        <p:cNvGrpSpPr/>
-        <p:nvPr/>
-      </p:nvGrpSpPr>
-      <p:grpSpPr>
-        <a:xfrm>
-          <a:off x="0" y="0"/>
-          <a:ext cx="0" cy="0"/>
-          <a:chOff x="0" y="0"/>
-          <a:chExt cx="0" cy="0"/>
-        </a:xfrm>
-      </p:grpSpPr>
-      <p:sp>
-        <p:nvSpPr>
-          <p:cNvPr id="6" name="Заголовок 1">
-            <a:extLst>
-              <a:ext uri="{FF2B5EF4-FFF2-40B4-BE49-F238E27FC236}">
-                <a16:creationId xmlns:a16="http://schemas.microsoft.com/office/drawing/2014/main" id="{6CE429EF-A0C8-44A8-811C-69D221D498DC}"/>
-              </a:ext>
-            </a:extLst>
-          </p:cNvPr>
-          <p:cNvSpPr txBox="1">
-            <a:spLocks/>
-          </p:cNvSpPr>
-          <p:nvPr/>
-        </p:nvSpPr>
-        <p:spPr>
-          <a:xfrm>
-            <a:off x="838200" y="365125"/>
-            <a:ext cx="10515600" cy="1325563"/>
-          </a:xfrm>
-          <a:prstGeom prst="rect">
-            <a:avLst/>
-          </a:prstGeom>
-        </p:spPr>
-        <p:txBody>
-          <a:bodyPr vert="horz" lIns="91440" tIns="45720" rIns="91440" bIns="45720" rtlCol="0" anchor="ctr">
-            <a:normAutofit/>
-          </a:bodyPr>
-          <a:lstStyle>
-            <a:lvl1pPr algn="l" defTabSz="914400" rtl="0" eaLnBrk="1" latinLnBrk="0" hangingPunct="1">
-              <a:lnSpc>
-                <a:spcPct val="90000"/>
-              </a:lnSpc>
-              <a:spcBef>
-                <a:spcPct val="0"/>
-              </a:spcBef>
-              <a:buNone/>
-              <a:defRPr sz="4400" kern="1200">
-                <a:solidFill>
-                  <a:schemeClr val="tx1"/>
-                </a:solidFill>
-                <a:latin typeface="+mj-lt"/>
-                <a:ea typeface="+mj-ea"/>
-                <a:cs typeface="+mj-cs"/>
-              </a:defRPr>
-            </a:lvl1pPr>
-          </a:lstStyle>
-          <a:p>
-            <a:pPr algn="ctr"/>
-            <a:r>
-              <a:rPr lang="ru-RU" sz="4000" dirty="0">
-                <a:latin typeface="Times New Roman" panose="02020603050405020304" pitchFamily="18" charset="0"/>
-                <a:cs typeface="Times New Roman" panose="02020603050405020304" pitchFamily="18" charset="0"/>
-              </a:rPr>
-              <a:t>Формализация задачи с учетом выбранных алгоритмов</a:t>
-            </a:r>
-          </a:p>
-        </p:txBody>
-      </p:sp>
-      <p:pic>
-        <p:nvPicPr>
-          <p:cNvPr id="7" name="Объект 6">
-            <a:extLst>
-              <a:ext uri="{FF2B5EF4-FFF2-40B4-BE49-F238E27FC236}">
-                <a16:creationId xmlns:a16="http://schemas.microsoft.com/office/drawing/2014/main" id="{3916BA79-C465-4CA4-8135-A8D715D08DCB}"/>
-              </a:ext>
-            </a:extLst>
-          </p:cNvPr>
-          <p:cNvPicPr>
-            <a:picLocks noGrp="1" noChangeAspect="1"/>
-          </p:cNvPicPr>
-          <p:nvPr>
-            <p:ph idx="1"/>
-          </p:nvPr>
-        </p:nvPicPr>
-        <p:blipFill>
-          <a:blip r:embed="rId2">
-            <a:extLst>
-              <a:ext uri="{28A0092B-C50C-407E-A947-70E740481C1C}">
-                <a14:useLocalDpi xmlns:a14="http://schemas.microsoft.com/office/drawing/2010/main" val="0"/>
-              </a:ext>
-            </a:extLst>
-          </a:blip>
-          <a:stretch>
-            <a:fillRect/>
-          </a:stretch>
-        </p:blipFill>
-        <p:spPr>
-          <a:xfrm>
-            <a:off x="838200" y="2226570"/>
-            <a:ext cx="10515600" cy="3283632"/>
-          </a:xfrm>
-        </p:spPr>
-      </p:pic>
-      <p:sp>
-        <p:nvSpPr>
-          <p:cNvPr id="8" name="Номер слайда 7">
-            <a:extLst>
-              <a:ext uri="{FF2B5EF4-FFF2-40B4-BE49-F238E27FC236}">
-                <a16:creationId xmlns:a16="http://schemas.microsoft.com/office/drawing/2014/main" id="{D4DBCB80-B891-43D9-872F-8593389E086E}"/>
-              </a:ext>
-            </a:extLst>
-          </p:cNvPr>
-          <p:cNvSpPr>
-            <a:spLocks noGrp="1"/>
-          </p:cNvSpPr>
-          <p:nvPr>
-            <p:ph type="sldNum" sz="quarter" idx="12"/>
-          </p:nvPr>
-        </p:nvSpPr>
-        <p:spPr/>
-        <p:txBody>
-          <a:bodyPr/>
-          <a:lstStyle/>
-          <a:p>
-            <a:fld id="{A9D03B6C-D60D-4F7F-9B4C-E247518A713C}" type="slidenum">
-              <a:rPr lang="ru-RU" smtClean="0"/>
-              <a:t>6</a:t>
-            </a:fld>
-            <a:endParaRPr lang="ru-RU"/>
-          </a:p>
-        </p:txBody>
-      </p:sp>
-    </p:spTree>
-    <p:extLst>
-      <p:ext uri="{BB962C8B-B14F-4D97-AF65-F5344CB8AC3E}">
-        <p14:creationId xmlns:p14="http://schemas.microsoft.com/office/powerpoint/2010/main" val="1586337999"/>
       </p:ext>
     </p:extLst>
   </p:cSld>
@@ -7694,7 +8176,7 @@
         </p:spPr>
         <p:txBody>
           <a:bodyPr vert="horz" lIns="91440" tIns="45720" rIns="91440" bIns="45720" rtlCol="0" anchor="ctr">
-            <a:normAutofit/>
+            <a:normAutofit fontScale="92500" lnSpcReduction="20000"/>
           </a:bodyPr>
           <a:lstStyle>
             <a:lvl1pPr algn="l" defTabSz="914400" rtl="0" eaLnBrk="1" latinLnBrk="0" hangingPunct="1">
@@ -7722,17 +8204,46 @@
                 <a:latin typeface="Times New Roman" panose="02020603050405020304" pitchFamily="18" charset="0"/>
                 <a:cs typeface="Times New Roman" panose="02020603050405020304" pitchFamily="18" charset="0"/>
               </a:rPr>
-              <a:t>Формализация процесса генерации кадра</a:t>
-            </a:r>
+              <a:t>Функциональная модель программного обеспечения с учетом выбранного алгоритма нулевого уровня</a:t>
+            </a:r>
+          </a:p>
+        </p:txBody>
+      </p:sp>
+      <p:sp>
+        <p:nvSpPr>
+          <p:cNvPr id="8" name="Номер слайда 7">
+            <a:extLst>
+              <a:ext uri="{FF2B5EF4-FFF2-40B4-BE49-F238E27FC236}">
+                <a16:creationId xmlns:a16="http://schemas.microsoft.com/office/drawing/2014/main" id="{D4DBCB80-B891-43D9-872F-8593389E086E}"/>
+              </a:ext>
+            </a:extLst>
+          </p:cNvPr>
+          <p:cNvSpPr>
+            <a:spLocks noGrp="1"/>
+          </p:cNvSpPr>
+          <p:nvPr>
+            <p:ph type="sldNum" sz="quarter" idx="12"/>
+          </p:nvPr>
+        </p:nvSpPr>
+        <p:spPr/>
+        <p:txBody>
+          <a:bodyPr/>
+          <a:lstStyle/>
+          <a:p>
+            <a:fld id="{A9D03B6C-D60D-4F7F-9B4C-E247518A713C}" type="slidenum">
+              <a:rPr lang="ru-RU" smtClean="0"/>
+              <a:t>7</a:t>
+            </a:fld>
+            <a:endParaRPr lang="ru-RU"/>
           </a:p>
         </p:txBody>
       </p:sp>
       <p:pic>
         <p:nvPicPr>
-          <p:cNvPr id="7" name="Объект 6">
-            <a:extLst>
-              <a:ext uri="{FF2B5EF4-FFF2-40B4-BE49-F238E27FC236}">
-                <a16:creationId xmlns:a16="http://schemas.microsoft.com/office/drawing/2014/main" id="{AEB3563C-8D16-47E6-A736-C14DF389E535}"/>
+          <p:cNvPr id="5" name="Объект 4">
+            <a:extLst>
+              <a:ext uri="{FF2B5EF4-FFF2-40B4-BE49-F238E27FC236}">
+                <a16:creationId xmlns:a16="http://schemas.microsoft.com/office/drawing/2014/main" id="{DA0A80B2-7643-4AE8-80C2-B1FD1A351648}"/>
               </a:ext>
             </a:extLst>
           </p:cNvPr>
@@ -7757,44 +8268,15 @@
         </p:blipFill>
         <p:spPr>
           <a:xfrm>
-            <a:off x="1588421" y="1477925"/>
-            <a:ext cx="9015158" cy="4961172"/>
+            <a:off x="838200" y="2387163"/>
+            <a:ext cx="10515600" cy="3272712"/>
           </a:xfrm>
         </p:spPr>
       </p:pic>
-      <p:sp>
-        <p:nvSpPr>
-          <p:cNvPr id="8" name="Номер слайда 7">
-            <a:extLst>
-              <a:ext uri="{FF2B5EF4-FFF2-40B4-BE49-F238E27FC236}">
-                <a16:creationId xmlns:a16="http://schemas.microsoft.com/office/drawing/2014/main" id="{06A2607B-2D7C-41FB-8759-4408A648426C}"/>
-              </a:ext>
-            </a:extLst>
-          </p:cNvPr>
-          <p:cNvSpPr>
-            <a:spLocks noGrp="1"/>
-          </p:cNvSpPr>
-          <p:nvPr>
-            <p:ph type="sldNum" sz="quarter" idx="12"/>
-          </p:nvPr>
-        </p:nvSpPr>
-        <p:spPr/>
-        <p:txBody>
-          <a:bodyPr/>
-          <a:lstStyle/>
-          <a:p>
-            <a:fld id="{A9D03B6C-D60D-4F7F-9B4C-E247518A713C}" type="slidenum">
-              <a:rPr lang="ru-RU" smtClean="0"/>
-              <a:t>7</a:t>
-            </a:fld>
-            <a:endParaRPr lang="ru-RU"/>
-          </a:p>
-        </p:txBody>
-      </p:sp>
     </p:spTree>
     <p:extLst>
       <p:ext uri="{BB962C8B-B14F-4D97-AF65-F5344CB8AC3E}">
-        <p14:creationId xmlns:p14="http://schemas.microsoft.com/office/powerpoint/2010/main" val="4047666608"/>
+        <p14:creationId xmlns:p14="http://schemas.microsoft.com/office/powerpoint/2010/main" val="1586337999"/>
       </p:ext>
     </p:extLst>
   </p:cSld>
@@ -7823,10 +8305,10 @@
       </p:grpSpPr>
       <p:sp>
         <p:nvSpPr>
-          <p:cNvPr id="4" name="Заголовок 1">
-            <a:extLst>
-              <a:ext uri="{FF2B5EF4-FFF2-40B4-BE49-F238E27FC236}">
-                <a16:creationId xmlns:a16="http://schemas.microsoft.com/office/drawing/2014/main" id="{97EBBCD4-8F39-41AE-92D0-DF53936AA8C2}"/>
+          <p:cNvPr id="6" name="Заголовок 1">
+            <a:extLst>
+              <a:ext uri="{FF2B5EF4-FFF2-40B4-BE49-F238E27FC236}">
+                <a16:creationId xmlns:a16="http://schemas.microsoft.com/office/drawing/2014/main" id="{6CE429EF-A0C8-44A8-811C-69D221D498DC}"/>
               </a:ext>
             </a:extLst>
           </p:cNvPr>
@@ -7874,74 +8356,79 @@
                 <a:latin typeface="Times New Roman" panose="02020603050405020304" pitchFamily="18" charset="0"/>
                 <a:cs typeface="Times New Roman" panose="02020603050405020304" pitchFamily="18" charset="0"/>
               </a:rPr>
-              <a:t>Алгоритм обратной трассировки лучей</a:t>
-            </a:r>
+              <a:t>Функциональная модель программного обеспечения первого уровня</a:t>
+            </a:r>
+          </a:p>
+        </p:txBody>
+      </p:sp>
+      <p:sp>
+        <p:nvSpPr>
+          <p:cNvPr id="8" name="Номер слайда 7">
+            <a:extLst>
+              <a:ext uri="{FF2B5EF4-FFF2-40B4-BE49-F238E27FC236}">
+                <a16:creationId xmlns:a16="http://schemas.microsoft.com/office/drawing/2014/main" id="{06A2607B-2D7C-41FB-8759-4408A648426C}"/>
+              </a:ext>
+            </a:extLst>
+          </p:cNvPr>
+          <p:cNvSpPr>
+            <a:spLocks noGrp="1"/>
+          </p:cNvSpPr>
+          <p:nvPr>
+            <p:ph type="sldNum" sz="quarter" idx="12"/>
+          </p:nvPr>
+        </p:nvSpPr>
+        <p:spPr/>
+        <p:txBody>
+          <a:bodyPr/>
+          <a:lstStyle/>
+          <a:p>
+            <a:fld id="{A9D03B6C-D60D-4F7F-9B4C-E247518A713C}" type="slidenum">
+              <a:rPr lang="ru-RU" smtClean="0"/>
+              <a:t>8</a:t>
+            </a:fld>
+            <a:endParaRPr lang="ru-RU"/>
           </a:p>
         </p:txBody>
       </p:sp>
       <p:pic>
         <p:nvPicPr>
-          <p:cNvPr id="9" name="Рисунок 8">
-            <a:extLst>
-              <a:ext uri="{FF2B5EF4-FFF2-40B4-BE49-F238E27FC236}">
-                <a16:creationId xmlns:a16="http://schemas.microsoft.com/office/drawing/2014/main" id="{2B6D05B9-1D8B-40A7-BA61-7FF5D166A0ED}"/>
+          <p:cNvPr id="5" name="Объект 4">
+            <a:extLst>
+              <a:ext uri="{FF2B5EF4-FFF2-40B4-BE49-F238E27FC236}">
+                <a16:creationId xmlns:a16="http://schemas.microsoft.com/office/drawing/2014/main" id="{12E4B978-FBB4-403C-BE28-3C287128B51B}"/>
               </a:ext>
             </a:extLst>
           </p:cNvPr>
           <p:cNvPicPr>
-            <a:picLocks noChangeAspect="1"/>
+            <a:picLocks noGrp="1" noChangeAspect="1"/>
           </p:cNvPicPr>
-          <p:nvPr/>
+          <p:nvPr>
+            <p:ph idx="1"/>
+          </p:nvPr>
         </p:nvPicPr>
         <p:blipFill>
-          <a:blip r:embed="rId2"/>
+          <a:blip r:embed="rId2">
+            <a:extLst>
+              <a:ext uri="{28A0092B-C50C-407E-A947-70E740481C1C}">
+                <a14:useLocalDpi xmlns:a14="http://schemas.microsoft.com/office/drawing/2010/main" val="0"/>
+              </a:ext>
+            </a:extLst>
+          </a:blip>
           <a:stretch>
             <a:fillRect/>
           </a:stretch>
         </p:blipFill>
         <p:spPr>
           <a:xfrm>
-            <a:off x="1151860" y="1446364"/>
-            <a:ext cx="9888279" cy="4871074"/>
+            <a:off x="1761877" y="1690688"/>
+            <a:ext cx="8668245" cy="4734663"/>
           </a:xfrm>
-          <a:prstGeom prst="rect">
-            <a:avLst/>
-          </a:prstGeom>
         </p:spPr>
       </p:pic>
-      <p:sp>
-        <p:nvSpPr>
-          <p:cNvPr id="10" name="Номер слайда 9">
-            <a:extLst>
-              <a:ext uri="{FF2B5EF4-FFF2-40B4-BE49-F238E27FC236}">
-                <a16:creationId xmlns:a16="http://schemas.microsoft.com/office/drawing/2014/main" id="{06A975F9-C58E-4B1A-8BB2-A46AC2F76E09}"/>
-              </a:ext>
-            </a:extLst>
-          </p:cNvPr>
-          <p:cNvSpPr>
-            <a:spLocks noGrp="1"/>
-          </p:cNvSpPr>
-          <p:nvPr>
-            <p:ph type="sldNum" sz="quarter" idx="12"/>
-          </p:nvPr>
-        </p:nvSpPr>
-        <p:spPr/>
-        <p:txBody>
-          <a:bodyPr/>
-          <a:lstStyle/>
-          <a:p>
-            <a:fld id="{A9D03B6C-D60D-4F7F-9B4C-E247518A713C}" type="slidenum">
-              <a:rPr lang="ru-RU" smtClean="0"/>
-              <a:t>8</a:t>
-            </a:fld>
-            <a:endParaRPr lang="ru-RU"/>
-          </a:p>
-        </p:txBody>
-      </p:sp>
     </p:spTree>
     <p:extLst>
       <p:ext uri="{BB962C8B-B14F-4D97-AF65-F5344CB8AC3E}">
-        <p14:creationId xmlns:p14="http://schemas.microsoft.com/office/powerpoint/2010/main" val="3220001112"/>
+        <p14:creationId xmlns:p14="http://schemas.microsoft.com/office/powerpoint/2010/main" val="4047666608"/>
       </p:ext>
     </p:extLst>
   </p:cSld>
@@ -7970,92 +8457,6 @@
       </p:grpSpPr>
       <p:sp>
         <p:nvSpPr>
-          <p:cNvPr id="3" name="Объект 2">
-            <a:extLst>
-              <a:ext uri="{FF2B5EF4-FFF2-40B4-BE49-F238E27FC236}">
-                <a16:creationId xmlns:a16="http://schemas.microsoft.com/office/drawing/2014/main" id="{633B8534-5768-4FD0-BD89-2EFB90F8ADB9}"/>
-              </a:ext>
-            </a:extLst>
-          </p:cNvPr>
-          <p:cNvSpPr>
-            <a:spLocks noGrp="1"/>
-          </p:cNvSpPr>
-          <p:nvPr>
-            <p:ph idx="1"/>
-          </p:nvPr>
-        </p:nvSpPr>
-        <p:spPr>
-          <a:xfrm>
-            <a:off x="1696779" y="2215079"/>
-            <a:ext cx="8798442" cy="1213921"/>
-          </a:xfrm>
-        </p:spPr>
-        <p:txBody>
-          <a:bodyPr>
-            <a:normAutofit/>
-          </a:bodyPr>
-          <a:lstStyle/>
-          <a:p>
-            <a:pPr>
-              <a:lnSpc>
-                <a:spcPct val="150000"/>
-              </a:lnSpc>
-            </a:pPr>
-            <a:r>
-              <a:rPr lang="ru-RU" sz="2000" dirty="0">
-                <a:latin typeface="Times New Roman" panose="02020603050405020304" pitchFamily="18" charset="0"/>
-                <a:cs typeface="Times New Roman" panose="02020603050405020304" pitchFamily="18" charset="0"/>
-              </a:rPr>
-              <a:t>Язык: С++</a:t>
-            </a:r>
-            <a:r>
-              <a:rPr lang="en-US" sz="2000" dirty="0">
-                <a:latin typeface="Times New Roman" panose="02020603050405020304" pitchFamily="18" charset="0"/>
-                <a:cs typeface="Times New Roman" panose="02020603050405020304" pitchFamily="18" charset="0"/>
-              </a:rPr>
-              <a:t>;</a:t>
-            </a:r>
-            <a:endParaRPr lang="ru-RU" sz="2000" dirty="0">
-              <a:latin typeface="Times New Roman" panose="02020603050405020304" pitchFamily="18" charset="0"/>
-              <a:cs typeface="Times New Roman" panose="02020603050405020304" pitchFamily="18" charset="0"/>
-            </a:endParaRPr>
-          </a:p>
-          <a:p>
-            <a:pPr>
-              <a:lnSpc>
-                <a:spcPct val="150000"/>
-              </a:lnSpc>
-            </a:pPr>
-            <a:r>
-              <a:rPr lang="ru-RU" sz="2000" dirty="0">
-                <a:latin typeface="Times New Roman" panose="02020603050405020304" pitchFamily="18" charset="0"/>
-                <a:cs typeface="Times New Roman" panose="02020603050405020304" pitchFamily="18" charset="0"/>
-              </a:rPr>
-              <a:t>Модульное тестирование: </a:t>
-            </a:r>
-            <a:r>
-              <a:rPr lang="en-US" sz="2000" dirty="0" err="1">
-                <a:latin typeface="Times New Roman" panose="02020603050405020304" pitchFamily="18" charset="0"/>
-                <a:cs typeface="Times New Roman" panose="02020603050405020304" pitchFamily="18" charset="0"/>
-              </a:rPr>
-              <a:t>GoogleTest</a:t>
-            </a:r>
-            <a:r>
-              <a:rPr lang="en-US" sz="2000" dirty="0">
-                <a:latin typeface="Times New Roman" panose="02020603050405020304" pitchFamily="18" charset="0"/>
-                <a:cs typeface="Times New Roman" panose="02020603050405020304" pitchFamily="18" charset="0"/>
-              </a:rPr>
-              <a:t>.</a:t>
-            </a:r>
-            <a:endParaRPr lang="ru-RU" sz="2000" dirty="0">
-              <a:latin typeface="Times New Roman" panose="02020603050405020304" pitchFamily="18" charset="0"/>
-              <a:cs typeface="Times New Roman" panose="02020603050405020304" pitchFamily="18" charset="0"/>
-            </a:endParaRPr>
-          </a:p>
-        </p:txBody>
-      </p:sp>
-      <p:sp>
-        <p:nvSpPr>
           <p:cNvPr id="4" name="Заголовок 1">
             <a:extLst>
               <a:ext uri="{FF2B5EF4-FFF2-40B4-BE49-F238E27FC236}">
@@ -8107,17 +8508,47 @@
                 <a:latin typeface="Times New Roman" panose="02020603050405020304" pitchFamily="18" charset="0"/>
                 <a:cs typeface="Times New Roman" panose="02020603050405020304" pitchFamily="18" charset="0"/>
               </a:rPr>
-              <a:t>Средства реализации</a:t>
-            </a:r>
-          </a:p>
-        </p:txBody>
-      </p:sp>
-      <p:sp>
-        <p:nvSpPr>
-          <p:cNvPr id="7" name="Номер слайда 6">
-            <a:extLst>
-              <a:ext uri="{FF2B5EF4-FFF2-40B4-BE49-F238E27FC236}">
-                <a16:creationId xmlns:a16="http://schemas.microsoft.com/office/drawing/2014/main" id="{893AD331-69D2-4DA1-A9E9-B66A26DC3789}"/>
+              <a:t>Трассировка лучей</a:t>
+            </a:r>
+          </a:p>
+        </p:txBody>
+      </p:sp>
+      <p:pic>
+        <p:nvPicPr>
+          <p:cNvPr id="9" name="Рисунок 8">
+            <a:extLst>
+              <a:ext uri="{FF2B5EF4-FFF2-40B4-BE49-F238E27FC236}">
+                <a16:creationId xmlns:a16="http://schemas.microsoft.com/office/drawing/2014/main" id="{2B6D05B9-1D8B-40A7-BA61-7FF5D166A0ED}"/>
+              </a:ext>
+            </a:extLst>
+          </p:cNvPr>
+          <p:cNvPicPr>
+            <a:picLocks noChangeAspect="1"/>
+          </p:cNvPicPr>
+          <p:nvPr/>
+        </p:nvPicPr>
+        <p:blipFill>
+          <a:blip r:embed="rId2"/>
+          <a:stretch>
+            <a:fillRect/>
+          </a:stretch>
+        </p:blipFill>
+        <p:spPr>
+          <a:xfrm>
+            <a:off x="973792" y="1446364"/>
+            <a:ext cx="10244416" cy="5046511"/>
+          </a:xfrm>
+          <a:prstGeom prst="rect">
+            <a:avLst/>
+          </a:prstGeom>
+        </p:spPr>
+      </p:pic>
+      <p:sp>
+        <p:nvSpPr>
+          <p:cNvPr id="10" name="Номер слайда 9">
+            <a:extLst>
+              <a:ext uri="{FF2B5EF4-FFF2-40B4-BE49-F238E27FC236}">
+                <a16:creationId xmlns:a16="http://schemas.microsoft.com/office/drawing/2014/main" id="{06A975F9-C58E-4B1A-8BB2-A46AC2F76E09}"/>
               </a:ext>
             </a:extLst>
           </p:cNvPr>
@@ -8144,7 +8575,7 @@
     </p:spTree>
     <p:extLst>
       <p:ext uri="{BB962C8B-B14F-4D97-AF65-F5344CB8AC3E}">
-        <p14:creationId xmlns:p14="http://schemas.microsoft.com/office/powerpoint/2010/main" val="1581887428"/>
+        <p14:creationId xmlns:p14="http://schemas.microsoft.com/office/powerpoint/2010/main" val="3220001112"/>
       </p:ext>
     </p:extLst>
   </p:cSld>
